--- a/Project Report/Title Defense/309_Bipashree_Proposal-Presentation.pptx
+++ b/Project Report/Title Defense/309_Bipashree_Proposal-Presentation.pptx
@@ -229,7 +229,7 @@
           <a:p>
             <a:fld id="{E87D9771-F3C1-4AA1-9AC4-64C82EE0BF28}" type="datetimeFigureOut">
               <a:rPr lang="en-US" smtClean="0"/>
-              <a:t>3/21/2023</a:t>
+              <a:t>11/24/23</a:t>
             </a:fld>
             <a:endParaRPr lang="en-US"/>
           </a:p>
@@ -640,7 +640,7 @@
                   <a:prstClr val="black"/>
                 </a:solidFill>
               </a:rPr>
-              <a:t>3/21/2023</a:t>
+              <a:t>11/24/23</a:t>
             </a:fld>
             <a:endParaRPr lang="en-US">
               <a:solidFill>
@@ -922,7 +922,7 @@
                   <a:prstClr val="black"/>
                 </a:solidFill>
               </a:rPr>
-              <a:t>3/21/2023</a:t>
+              <a:t>11/24/23</a:t>
             </a:fld>
             <a:endParaRPr lang="en-US">
               <a:solidFill>
@@ -1134,7 +1134,7 @@
                   <a:prstClr val="black"/>
                 </a:solidFill>
               </a:rPr>
-              <a:t>3/21/2023</a:t>
+              <a:t>11/24/23</a:t>
             </a:fld>
             <a:endParaRPr lang="en-US">
               <a:solidFill>
@@ -1288,7 +1288,7 @@
                   <a:prstClr val="black"/>
                 </a:solidFill>
               </a:rPr>
-              <a:t>3/21/2023</a:t>
+              <a:t>11/24/23</a:t>
             </a:fld>
             <a:endParaRPr lang="en-US">
               <a:solidFill>
@@ -1487,7 +1487,7 @@
                   <a:prstClr val="black"/>
                 </a:solidFill>
               </a:rPr>
-              <a:t>3/21/2023</a:t>
+              <a:t>11/24/23</a:t>
             </a:fld>
             <a:endParaRPr lang="en-US">
               <a:solidFill>
@@ -1935,7 +1935,7 @@
           <a:lstStyle/>
           <a:p>
             <a:r>
-              <a:rPr lang="en-US">
+              <a:rPr lang="en-US" dirty="0">
                 <a:solidFill>
                   <a:srgbClr val="00B0F0"/>
                 </a:solidFill>
@@ -1943,37 +1943,61 @@
               <a:t>309</a:t>
             </a:r>
             <a:r>
-              <a:rPr lang="en-US"/>
+              <a:rPr lang="en-US" dirty="0"/>
               <a:t> </a:t>
             </a:r>
             <a:r>
-              <a:rPr lang="en-US">
+              <a:rPr lang="en-US" dirty="0">
                 <a:solidFill>
                   <a:srgbClr val="00B0F0"/>
                 </a:solidFill>
               </a:rPr>
-              <a:t>| Bipashree Aryal</a:t>
-            </a:r>
-            <a:endParaRPr lang="en-US"/>
-          </a:p>
-          <a:p>
-            <a:r>
-              <a:rPr lang="en-US"/>
-              <a:t>Title Defense of Project-I – </a:t>
-            </a:r>
-            <a:r>
-              <a:rPr lang="en-GB" altLang="en-US"/>
+              <a:t>| </a:t>
+            </a:r>
+            <a:r>
+              <a:rPr lang="en-US" dirty="0" err="1">
+                <a:solidFill>
+                  <a:srgbClr val="00B0F0"/>
+                </a:solidFill>
+              </a:rPr>
+              <a:t>Bipashree</a:t>
+            </a:r>
+            <a:r>
+              <a:rPr lang="en-US" dirty="0">
+                <a:solidFill>
+                  <a:srgbClr val="00B0F0"/>
+                </a:solidFill>
+              </a:rPr>
+              <a:t> </a:t>
+            </a:r>
+            <a:r>
+              <a:rPr lang="en-US" dirty="0" err="1">
+                <a:solidFill>
+                  <a:srgbClr val="00B0F0"/>
+                </a:solidFill>
+              </a:rPr>
+              <a:t>Aryal</a:t>
+            </a:r>
+            <a:endParaRPr lang="en-US" dirty="0"/>
+          </a:p>
+          <a:p>
+            <a:r>
+              <a:rPr lang="en-US" dirty="0"/>
+              <a:t>Project Defense of Project-I – </a:t>
+            </a:r>
+            <a:r>
+              <a:rPr lang="en-GB" altLang="en-US" dirty="0"/>
               <a:t>CAPJ 256 </a:t>
             </a:r>
             <a:r>
-              <a:rPr lang="en-US"/>
+              <a:rPr lang="en-US" dirty="0"/>
               <a:t>– Class of 202</a:t>
             </a:r>
             <a:r>
-              <a:rPr lang="en-GB"/>
+              <a:rPr lang="en-GB" dirty="0"/>
               <a:t>4</a:t>
             </a:r>
-            <a:endParaRPr lang="en-GB" altLang="en-US"/>
+            <a:endParaRPr lang="en-GB" altLang="en-US" dirty="0"/>
           </a:p>
         </p:txBody>
       </p:sp>
